--- a/파이썬_강좌/8-1. 파이썬 내장 함수.pptx
+++ b/파이썬_강좌/8-1. 파이썬 내장 함수.pptx
@@ -216,7 +216,7 @@
           <a:p>
             <a:fld id="{078876B8-64A8-47CF-B414-B22E647C58B4}" type="datetimeFigureOut">
               <a:rPr lang="ko-KR" altLang="en-US" smtClean="0"/>
-              <a:t>2023-10-03</a:t>
+              <a:t>2023-10-07</a:t>
             </a:fld>
             <a:endParaRPr lang="ko-KR" altLang="en-US"/>
           </a:p>
@@ -1083,7 +1083,7 @@
           <a:p>
             <a:fld id="{7D1E2110-3037-4FE4-91CF-B74D5DC51DF2}" type="datetimeFigureOut">
               <a:rPr lang="ko-KR" altLang="en-US" smtClean="0"/>
-              <a:t>2023-10-03</a:t>
+              <a:t>2023-10-07</a:t>
             </a:fld>
             <a:endParaRPr lang="ko-KR" altLang="en-US"/>
           </a:p>
@@ -1224,7 +1224,7 @@
           <a:p>
             <a:fld id="{7D1E2110-3037-4FE4-91CF-B74D5DC51DF2}" type="datetimeFigureOut">
               <a:rPr lang="ko-KR" altLang="en-US" smtClean="0"/>
-              <a:t>2023-10-03</a:t>
+              <a:t>2023-10-07</a:t>
             </a:fld>
             <a:endParaRPr lang="ko-KR" altLang="en-US"/>
           </a:p>
@@ -1337,7 +1337,7 @@
           <a:p>
             <a:fld id="{7D1E2110-3037-4FE4-91CF-B74D5DC51DF2}" type="datetimeFigureOut">
               <a:rPr lang="ko-KR" altLang="en-US" smtClean="0"/>
-              <a:t>2023-10-03</a:t>
+              <a:t>2023-10-07</a:t>
             </a:fld>
             <a:endParaRPr lang="ko-KR" altLang="en-US"/>
           </a:p>
@@ -1648,7 +1648,7 @@
           <a:p>
             <a:fld id="{7D1E2110-3037-4FE4-91CF-B74D5DC51DF2}" type="datetimeFigureOut">
               <a:rPr lang="ko-KR" altLang="en-US" smtClean="0"/>
-              <a:t>2023-10-03</a:t>
+              <a:t>2023-10-07</a:t>
             </a:fld>
             <a:endParaRPr lang="ko-KR" altLang="en-US"/>
           </a:p>
@@ -1936,7 +1936,7 @@
           <a:p>
             <a:fld id="{7D1E2110-3037-4FE4-91CF-B74D5DC51DF2}" type="datetimeFigureOut">
               <a:rPr lang="ko-KR" altLang="en-US" smtClean="0"/>
-              <a:t>2023-10-03</a:t>
+              <a:t>2023-10-07</a:t>
             </a:fld>
             <a:endParaRPr lang="ko-KR" altLang="en-US"/>
           </a:p>
@@ -2134,7 +2134,7 @@
           <a:p>
             <a:fld id="{7D1E2110-3037-4FE4-91CF-B74D5DC51DF2}" type="datetimeFigureOut">
               <a:rPr lang="ko-KR" altLang="en-US" smtClean="0"/>
-              <a:t>2023-10-03</a:t>
+              <a:t>2023-10-07</a:t>
             </a:fld>
             <a:endParaRPr lang="ko-KR" altLang="en-US"/>
           </a:p>
@@ -2342,7 +2342,7 @@
           <a:p>
             <a:fld id="{7D1E2110-3037-4FE4-91CF-B74D5DC51DF2}" type="datetimeFigureOut">
               <a:rPr lang="ko-KR" altLang="en-US" smtClean="0"/>
-              <a:t>2023-10-03</a:t>
+              <a:t>2023-10-07</a:t>
             </a:fld>
             <a:endParaRPr lang="ko-KR" altLang="en-US"/>
           </a:p>
@@ -2547,7 +2547,7 @@
           <a:p>
             <a:fld id="{19385A93-34FE-475C-9D69-CFDF799BE9EE}" type="datetimeFigureOut">
               <a:rPr lang="ko-KR" altLang="en-US" smtClean="0"/>
-              <a:t>2023-10-03</a:t>
+              <a:t>2023-10-07</a:t>
             </a:fld>
             <a:endParaRPr lang="ko-KR" altLang="en-US"/>
           </a:p>
@@ -2931,7 +2931,7 @@
           <a:p>
             <a:fld id="{19385A93-34FE-475C-9D69-CFDF799BE9EE}" type="datetimeFigureOut">
               <a:rPr lang="ko-KR" altLang="en-US" smtClean="0"/>
-              <a:t>2023-10-03</a:t>
+              <a:t>2023-10-07</a:t>
             </a:fld>
             <a:endParaRPr lang="ko-KR" altLang="en-US"/>
           </a:p>
@@ -3196,7 +3196,7 @@
           <a:p>
             <a:fld id="{19385A93-34FE-475C-9D69-CFDF799BE9EE}" type="datetimeFigureOut">
               <a:rPr lang="ko-KR" altLang="en-US" smtClean="0"/>
-              <a:t>2023-10-03</a:t>
+              <a:t>2023-10-07</a:t>
             </a:fld>
             <a:endParaRPr lang="ko-KR" altLang="en-US"/>
           </a:p>
@@ -3446,7 +3446,7 @@
           <a:p>
             <a:fld id="{19385A93-34FE-475C-9D69-CFDF799BE9EE}" type="datetimeFigureOut">
               <a:rPr lang="ko-KR" altLang="en-US" smtClean="0"/>
-              <a:t>2023-10-03</a:t>
+              <a:t>2023-10-07</a:t>
             </a:fld>
             <a:endParaRPr lang="ko-KR" altLang="en-US"/>
           </a:p>
@@ -3666,7 +3666,7 @@
           <a:p>
             <a:fld id="{7D1E2110-3037-4FE4-91CF-B74D5DC51DF2}" type="datetimeFigureOut">
               <a:rPr lang="ko-KR" altLang="en-US" smtClean="0"/>
-              <a:t>2023-10-03</a:t>
+              <a:t>2023-10-07</a:t>
             </a:fld>
             <a:endParaRPr lang="ko-KR" altLang="en-US"/>
           </a:p>
@@ -3894,7 +3894,7 @@
           <a:p>
             <a:fld id="{7D1E2110-3037-4FE4-91CF-B74D5DC51DF2}" type="datetimeFigureOut">
               <a:rPr lang="ko-KR" altLang="en-US" smtClean="0"/>
-              <a:t>2023-10-03</a:t>
+              <a:t>2023-10-07</a:t>
             </a:fld>
             <a:endParaRPr lang="ko-KR" altLang="en-US"/>
           </a:p>
@@ -4169,7 +4169,7 @@
           <a:p>
             <a:fld id="{7D1E2110-3037-4FE4-91CF-B74D5DC51DF2}" type="datetimeFigureOut">
               <a:rPr lang="ko-KR" altLang="en-US" smtClean="0"/>
-              <a:t>2023-10-03</a:t>
+              <a:t>2023-10-07</a:t>
             </a:fld>
             <a:endParaRPr lang="ko-KR" altLang="en-US"/>
           </a:p>
@@ -4434,7 +4434,7 @@
           <a:p>
             <a:fld id="{7D1E2110-3037-4FE4-91CF-B74D5DC51DF2}" type="datetimeFigureOut">
               <a:rPr lang="ko-KR" altLang="en-US" smtClean="0"/>
-              <a:t>2023-10-03</a:t>
+              <a:t>2023-10-07</a:t>
             </a:fld>
             <a:endParaRPr lang="ko-KR" altLang="en-US"/>
           </a:p>
@@ -4658,7 +4658,7 @@
           <a:p>
             <a:fld id="{19385A93-34FE-475C-9D69-CFDF799BE9EE}" type="datetimeFigureOut">
               <a:rPr lang="ko-KR" altLang="en-US" smtClean="0"/>
-              <a:t>2023-10-03</a:t>
+              <a:t>2023-10-07</a:t>
             </a:fld>
             <a:endParaRPr lang="ko-KR" altLang="en-US"/>
           </a:p>
@@ -5329,7 +5329,7 @@
           <a:p>
             <a:fld id="{7D1E2110-3037-4FE4-91CF-B74D5DC51DF2}" type="datetimeFigureOut">
               <a:rPr lang="ko-KR" altLang="en-US" smtClean="0"/>
-              <a:t>2023-10-03</a:t>
+              <a:t>2023-10-07</a:t>
             </a:fld>
             <a:endParaRPr lang="ko-KR" altLang="en-US"/>
           </a:p>
@@ -6909,8 +6909,8 @@
           <a:lstStyle/>
           <a:p>
             <a:r>
-              <a:rPr lang="en-US" altLang="ko-KR"/>
-              <a:t>Range()</a:t>
+              <a:rPr lang="en-US" altLang="ko-KR" dirty="0"/>
+              <a:t>range()</a:t>
             </a:r>
             <a:endParaRPr lang="ko-KR" altLang="en-US" dirty="0"/>
           </a:p>
@@ -7330,7 +7330,7 @@
           <a:p>
             <a:r>
               <a:rPr lang="en-US" altLang="ko-KR" dirty="0"/>
-              <a:t>Type()</a:t>
+              <a:t>type()</a:t>
             </a:r>
             <a:endParaRPr lang="ko-KR" altLang="en-US" dirty="0"/>
           </a:p>
@@ -8987,7 +8987,7 @@
           <a:p>
             <a:r>
               <a:rPr lang="en-US" altLang="ko-KR" dirty="0"/>
-              <a:t>Int()</a:t>
+              <a:t>int()</a:t>
             </a:r>
             <a:endParaRPr lang="ko-KR" altLang="en-US" dirty="0"/>
           </a:p>
